--- a/ppts/4-1 PointerLinking Quiz8.pptx
+++ b/ppts/4-1 PointerLinking Quiz8.pptx
@@ -209,7 +209,7 @@
           <a:p>
             <a:fld id="{648057B7-EFC7-4AC6-B479-CDD44EB7D654}" type="datetimeFigureOut">
               <a:rPr lang="ko-KR" altLang="en-US" smtClean="0"/>
-              <a:t>20-10-24</a:t>
+              <a:t>2022. 10. 29.</a:t>
             </a:fld>
             <a:endParaRPr lang="ko-KR" altLang="en-US"/>
           </a:p>
@@ -536,21 +536,16 @@
           </a:lstStyle>
           <a:p>
             <a:r>
-              <a:rPr lang="ko-KR" altLang="en-US" dirty="0" smtClean="0"/>
+              <a:rPr lang="ko-KR" altLang="en-US" dirty="0"/>
               <a:t>마스터 제목 </a:t>
             </a:r>
-            <a:r>
-              <a:rPr lang="en-US" altLang="ko-KR" dirty="0" smtClean="0"/>
-              <a:t/>
-            </a:r>
             <a:br>
-              <a:rPr lang="en-US" altLang="ko-KR" dirty="0" smtClean="0"/>
+              <a:rPr lang="en-US" altLang="ko-KR" dirty="0"/>
             </a:br>
             <a:r>
-              <a:rPr lang="ko-KR" altLang="en-US" dirty="0" smtClean="0"/>
+              <a:rPr lang="ko-KR" altLang="en-US" dirty="0"/>
               <a:t>스타일 편집</a:t>
             </a:r>
-            <a:endParaRPr lang="ko-KR" altLang="en-US" dirty="0"/>
           </a:p>
         </p:txBody>
       </p:sp>
@@ -730,21 +725,10 @@
                 </a:solidFill>
                 <a:latin typeface="Century Gothic" panose="020B0502020202020204" pitchFamily="34" charset="0"/>
               </a:rPr>
-              <a:t>Prof. Youngsup Kim, </a:t>
+              <a:t>Prof. Youngsup Kim, idebtor@gmail.com, Grace School</a:t>
             </a:r>
             <a:r>
-              <a:rPr lang="en-US" altLang="ko-KR" sz="1200" b="0" i="1" dirty="0" smtClean="0">
-                <a:solidFill>
-                  <a:schemeClr val="bg1">
-                    <a:lumMod val="50000"/>
-                  </a:schemeClr>
-                </a:solidFill>
-                <a:latin typeface="Century Gothic" panose="020B0502020202020204" pitchFamily="34" charset="0"/>
-              </a:rPr>
-              <a:t>idebtor@gmail.com, Grace School</a:t>
-            </a:r>
-            <a:r>
-              <a:rPr lang="en-US" altLang="ko-KR" sz="1200" b="0" i="1" baseline="0" dirty="0" smtClean="0">
+              <a:rPr lang="en-US" altLang="ko-KR" sz="1200" b="0" i="1" baseline="0" dirty="0">
                 <a:solidFill>
                   <a:schemeClr val="bg1">
                     <a:lumMod val="50000"/>
@@ -755,7 +739,7 @@
               <a:t> Rm204</a:t>
             </a:r>
             <a:r>
-              <a:rPr lang="en-US" altLang="ko-KR" sz="1200" b="0" i="1" dirty="0" smtClean="0">
+              <a:rPr lang="en-US" altLang="ko-KR" sz="1200" b="0" i="1" dirty="0">
                 <a:solidFill>
                   <a:schemeClr val="bg1">
                     <a:lumMod val="50000"/>
@@ -849,13 +833,8 @@
             <a:pPr lvl="2" eaLnBrk="1" latinLnBrk="0" hangingPunct="1"/>
             <a:r>
               <a:rPr lang="ko-KR" altLang="en-US" dirty="0"/>
-              <a:t>셋째 </a:t>
+              <a:t>셋째 수준</a:t>
             </a:r>
-            <a:r>
-              <a:rPr lang="ko-KR" altLang="en-US" dirty="0" smtClean="0"/>
-              <a:t>수준</a:t>
-            </a:r>
-            <a:endParaRPr lang="ko-KR" altLang="en-US" dirty="0"/>
           </a:p>
         </p:txBody>
       </p:sp>
@@ -932,21 +911,16 @@
           </a:lstStyle>
           <a:p>
             <a:r>
-              <a:rPr lang="ko-KR" altLang="en-US" dirty="0" smtClean="0"/>
+              <a:rPr lang="ko-KR" altLang="en-US" dirty="0"/>
               <a:t>마스터 제목 </a:t>
             </a:r>
-            <a:r>
-              <a:rPr lang="en-US" altLang="ko-KR" dirty="0" smtClean="0"/>
-              <a:t/>
-            </a:r>
             <a:br>
-              <a:rPr lang="en-US" altLang="ko-KR" dirty="0" smtClean="0"/>
+              <a:rPr lang="en-US" altLang="ko-KR" dirty="0"/>
             </a:br>
             <a:r>
-              <a:rPr lang="ko-KR" altLang="en-US" dirty="0" smtClean="0"/>
+              <a:rPr lang="ko-KR" altLang="en-US" dirty="0"/>
               <a:t>스타일 편집</a:t>
             </a:r>
-            <a:endParaRPr lang="ko-KR" altLang="en-US" dirty="0"/>
           </a:p>
         </p:txBody>
       </p:sp>
@@ -1065,13 +1039,8 @@
             <a:pPr lvl="2" eaLnBrk="1" latinLnBrk="0" hangingPunct="1"/>
             <a:r>
               <a:rPr lang="ko-KR" altLang="en-US" dirty="0"/>
-              <a:t>셋째 </a:t>
+              <a:t>셋째 수준</a:t>
             </a:r>
-            <a:r>
-              <a:rPr lang="ko-KR" altLang="en-US" dirty="0" smtClean="0"/>
-              <a:t>수준</a:t>
-            </a:r>
-            <a:endParaRPr lang="ko-KR" altLang="en-US" dirty="0"/>
           </a:p>
         </p:txBody>
       </p:sp>
@@ -1269,21 +1238,10 @@
                 </a:solidFill>
                 <a:latin typeface="Century Gothic" panose="020B0502020202020204" pitchFamily="34" charset="0"/>
               </a:rPr>
-              <a:t>Prof. Youngsup Kim, </a:t>
+              <a:t>Prof. Youngsup Kim, idebtor@gmail.com, Grace School</a:t>
             </a:r>
             <a:r>
-              <a:rPr lang="en-US" altLang="ko-KR" sz="1200" b="0" i="1" dirty="0" smtClean="0">
-                <a:solidFill>
-                  <a:schemeClr val="bg1">
-                    <a:lumMod val="50000"/>
-                  </a:schemeClr>
-                </a:solidFill>
-                <a:latin typeface="Century Gothic" panose="020B0502020202020204" pitchFamily="34" charset="0"/>
-              </a:rPr>
-              <a:t>idebtor@gmail.com, Grace School</a:t>
-            </a:r>
-            <a:r>
-              <a:rPr lang="en-US" altLang="ko-KR" sz="1200" b="0" i="1" baseline="0" dirty="0" smtClean="0">
+              <a:rPr lang="en-US" altLang="ko-KR" sz="1200" b="0" i="1" baseline="0" dirty="0">
                 <a:solidFill>
                   <a:schemeClr val="bg1">
                     <a:lumMod val="50000"/>
@@ -1294,7 +1252,7 @@
               <a:t> Rm204</a:t>
             </a:r>
             <a:r>
-              <a:rPr lang="en-US" altLang="ko-KR" sz="1200" b="0" i="1" dirty="0" smtClean="0">
+              <a:rPr lang="en-US" altLang="ko-KR" sz="1200" b="0" i="1" dirty="0">
                 <a:solidFill>
                   <a:schemeClr val="bg1">
                     <a:lumMod val="50000"/>
@@ -1395,10 +1353,9 @@
           </a:lstStyle>
           <a:p>
             <a:r>
-              <a:rPr lang="ko-KR" altLang="en-US" dirty="0" smtClean="0"/>
+              <a:rPr lang="ko-KR" altLang="en-US" dirty="0"/>
               <a:t>마스터 제목 스타일 편집</a:t>
             </a:r>
-            <a:endParaRPr lang="ko-KR" altLang="en-US" dirty="0"/>
           </a:p>
         </p:txBody>
       </p:sp>
@@ -1614,12 +1571,8 @@
           </a:lstStyle>
           <a:p>
             <a:r>
-              <a:rPr kumimoji="0" lang="ko-KR" altLang="en-US" dirty="0" smtClean="0"/>
-              <a:t>마스터 </a:t>
-            </a:r>
-            <a:r>
               <a:rPr kumimoji="0" lang="ko-KR" altLang="en-US" dirty="0"/>
-              <a:t>제목 스타일 편집</a:t>
+              <a:t>마스터 제목 스타일 편집</a:t>
             </a:r>
             <a:endParaRPr kumimoji="0" lang="en-US" dirty="0"/>
           </a:p>
@@ -1888,21 +1841,10 @@
                 </a:solidFill>
                 <a:latin typeface="Century Gothic" panose="020B0502020202020204" pitchFamily="34" charset="0"/>
               </a:rPr>
-              <a:t>Prof. Youngsup Kim, </a:t>
+              <a:t>Prof. Youngsup Kim, idebtor@gmail.com, Grace School</a:t>
             </a:r>
             <a:r>
-              <a:rPr lang="en-US" altLang="ko-KR" sz="1100" b="0" i="1" dirty="0" smtClean="0">
-                <a:solidFill>
-                  <a:schemeClr val="bg1">
-                    <a:lumMod val="50000"/>
-                  </a:schemeClr>
-                </a:solidFill>
-                <a:latin typeface="Century Gothic" panose="020B0502020202020204" pitchFamily="34" charset="0"/>
-              </a:rPr>
-              <a:t>idebtor@gmail.com, Grace School</a:t>
-            </a:r>
-            <a:r>
-              <a:rPr lang="en-US" altLang="ko-KR" sz="1100" b="0" i="1" baseline="0" dirty="0" smtClean="0">
+              <a:rPr lang="en-US" altLang="ko-KR" sz="1100" b="0" i="1" baseline="0" dirty="0">
                 <a:solidFill>
                   <a:schemeClr val="bg1">
                     <a:lumMod val="50000"/>
@@ -1913,7 +1855,7 @@
               <a:t> Rm204</a:t>
             </a:r>
             <a:r>
-              <a:rPr lang="en-US" altLang="ko-KR" sz="1100" b="0" i="1" dirty="0" smtClean="0">
+              <a:rPr lang="en-US" altLang="ko-KR" sz="1100" b="0" i="1" dirty="0">
                 <a:solidFill>
                   <a:schemeClr val="bg1">
                     <a:lumMod val="50000"/>
@@ -1944,13 +1886,6 @@
   <p:clrMapOvr>
     <a:masterClrMapping/>
   </p:clrMapOvr>
-  <p:timing>
-    <p:tnLst>
-      <p:par>
-        <p:cTn id="1" dur="indefinite" restart="never" nodeType="tmRoot"/>
-      </p:par>
-    </p:tnLst>
-  </p:timing>
 </p:sldLayout>
 </file>
 
@@ -2303,21 +2238,10 @@
                 </a:solidFill>
                 <a:latin typeface="Century Gothic" panose="020B0502020202020204" pitchFamily="34" charset="0"/>
               </a:rPr>
-              <a:t>Prof. Youngsup Kim, </a:t>
+              <a:t>Prof. Youngsup Kim, idebtor@gmail.com, Grace School</a:t>
             </a:r>
             <a:r>
-              <a:rPr lang="en-US" altLang="ko-KR" sz="1100" b="0" i="1" dirty="0" smtClean="0">
-                <a:solidFill>
-                  <a:schemeClr val="bg1">
-                    <a:lumMod val="50000"/>
-                  </a:schemeClr>
-                </a:solidFill>
-                <a:latin typeface="Century Gothic" panose="020B0502020202020204" pitchFamily="34" charset="0"/>
-              </a:rPr>
-              <a:t>idebtor@gmail.com, Grace School</a:t>
-            </a:r>
-            <a:r>
-              <a:rPr lang="en-US" altLang="ko-KR" sz="1100" b="0" i="1" baseline="0" dirty="0" smtClean="0">
+              <a:rPr lang="en-US" altLang="ko-KR" sz="1100" b="0" i="1" baseline="0" dirty="0">
                 <a:solidFill>
                   <a:schemeClr val="bg1">
                     <a:lumMod val="50000"/>
@@ -2328,7 +2252,7 @@
               <a:t> Rm204</a:t>
             </a:r>
             <a:r>
-              <a:rPr lang="en-US" altLang="ko-KR" sz="1100" b="0" i="1" dirty="0" smtClean="0">
+              <a:rPr lang="en-US" altLang="ko-KR" sz="1100" b="0" i="1" dirty="0">
                 <a:solidFill>
                   <a:schemeClr val="bg1">
                     <a:lumMod val="50000"/>
@@ -2359,13 +2283,6 @@
   <p:clrMapOvr>
     <a:masterClrMapping/>
   </p:clrMapOvr>
-  <p:timing>
-    <p:tnLst>
-      <p:par>
-        <p:cTn id="1" dur="indefinite" restart="never" nodeType="tmRoot"/>
-      </p:par>
-    </p:tnLst>
-  </p:timing>
 </p:sldLayout>
 </file>
 
@@ -2642,21 +2559,10 @@
                 </a:solidFill>
                 <a:latin typeface="Century Gothic" panose="020B0502020202020204" pitchFamily="34" charset="0"/>
               </a:rPr>
-              <a:t>Prof. Youngsup Kim, </a:t>
+              <a:t>Prof. Youngsup Kim, idebtor@gmail.com, Grace School</a:t>
             </a:r>
             <a:r>
-              <a:rPr lang="en-US" altLang="ko-KR" sz="1100" b="0" i="1" dirty="0" smtClean="0">
-                <a:solidFill>
-                  <a:schemeClr val="bg1">
-                    <a:lumMod val="50000"/>
-                  </a:schemeClr>
-                </a:solidFill>
-                <a:latin typeface="Century Gothic" panose="020B0502020202020204" pitchFamily="34" charset="0"/>
-              </a:rPr>
-              <a:t>idebtor@gmail.com, Grace School</a:t>
-            </a:r>
-            <a:r>
-              <a:rPr lang="en-US" altLang="ko-KR" sz="1100" b="0" i="1" baseline="0" dirty="0" smtClean="0">
+              <a:rPr lang="en-US" altLang="ko-KR" sz="1100" b="0" i="1" baseline="0" dirty="0">
                 <a:solidFill>
                   <a:schemeClr val="bg1">
                     <a:lumMod val="50000"/>
@@ -2667,7 +2573,7 @@
               <a:t> Rm204</a:t>
             </a:r>
             <a:r>
-              <a:rPr lang="en-US" altLang="ko-KR" sz="1100" b="0" i="1" dirty="0" smtClean="0">
+              <a:rPr lang="en-US" altLang="ko-KR" sz="1100" b="0" i="1" dirty="0">
                 <a:solidFill>
                   <a:schemeClr val="bg1">
                     <a:lumMod val="50000"/>
@@ -3044,21 +2950,10 @@
                 </a:solidFill>
                 <a:latin typeface="Century Gothic" panose="020B0502020202020204" pitchFamily="34" charset="0"/>
               </a:rPr>
-              <a:t>Prof. Youngsup Kim, </a:t>
+              <a:t>Prof. Youngsup Kim, idebtor@gmail.com, Grace School</a:t>
             </a:r>
             <a:r>
-              <a:rPr lang="en-US" altLang="ko-KR" sz="1100" b="0" i="1" dirty="0" smtClean="0">
-                <a:solidFill>
-                  <a:schemeClr val="bg1">
-                    <a:lumMod val="50000"/>
-                  </a:schemeClr>
-                </a:solidFill>
-                <a:latin typeface="Century Gothic" panose="020B0502020202020204" pitchFamily="34" charset="0"/>
-              </a:rPr>
-              <a:t>idebtor@gmail.com, Grace School</a:t>
-            </a:r>
-            <a:r>
-              <a:rPr lang="en-US" altLang="ko-KR" sz="1100" b="0" i="1" baseline="0" dirty="0" smtClean="0">
+              <a:rPr lang="en-US" altLang="ko-KR" sz="1100" b="0" i="1" baseline="0" dirty="0">
                 <a:solidFill>
                   <a:schemeClr val="bg1">
                     <a:lumMod val="50000"/>
@@ -3069,7 +2964,7 @@
               <a:t> Rm204</a:t>
             </a:r>
             <a:r>
-              <a:rPr lang="en-US" altLang="ko-KR" sz="1100" b="0" i="1" dirty="0" smtClean="0">
+              <a:rPr lang="en-US" altLang="ko-KR" sz="1100" b="0" i="1" dirty="0">
                 <a:solidFill>
                   <a:schemeClr val="bg1">
                     <a:lumMod val="50000"/>
@@ -3320,21 +3215,10 @@
                 </a:solidFill>
                 <a:latin typeface="Century Gothic" panose="020B0502020202020204" pitchFamily="34" charset="0"/>
               </a:rPr>
-              <a:t>Prof. Youngsup Kim, </a:t>
+              <a:t>Prof. Youngsup Kim, idebtor@gmail.com, Grace School</a:t>
             </a:r>
             <a:r>
-              <a:rPr lang="en-US" altLang="ko-KR" sz="1100" b="0" i="1" dirty="0" smtClean="0">
-                <a:solidFill>
-                  <a:schemeClr val="bg1">
-                    <a:lumMod val="50000"/>
-                  </a:schemeClr>
-                </a:solidFill>
-                <a:latin typeface="Century Gothic" panose="020B0502020202020204" pitchFamily="34" charset="0"/>
-              </a:rPr>
-              <a:t>idebtor@gmail.com, Grace School</a:t>
-            </a:r>
-            <a:r>
-              <a:rPr lang="en-US" altLang="ko-KR" sz="1100" b="0" i="1" baseline="0" dirty="0" smtClean="0">
+              <a:rPr lang="en-US" altLang="ko-KR" sz="1100" b="0" i="1" baseline="0" dirty="0">
                 <a:solidFill>
                   <a:schemeClr val="bg1">
                     <a:lumMod val="50000"/>
@@ -3345,7 +3229,7 @@
               <a:t> Rm204</a:t>
             </a:r>
             <a:r>
-              <a:rPr lang="en-US" altLang="ko-KR" sz="1100" b="0" i="1" dirty="0" smtClean="0">
+              <a:rPr lang="en-US" altLang="ko-KR" sz="1100" b="0" i="1" dirty="0">
                 <a:solidFill>
                   <a:schemeClr val="bg1">
                     <a:lumMod val="50000"/>
@@ -3376,13 +3260,6 @@
   <p:clrMapOvr>
     <a:masterClrMapping/>
   </p:clrMapOvr>
-  <p:timing>
-    <p:tnLst>
-      <p:par>
-        <p:cTn id="1" dur="indefinite" restart="never" nodeType="tmRoot"/>
-      </p:par>
-    </p:tnLst>
-  </p:timing>
 </p:sldLayout>
 </file>
 
@@ -4106,7 +3983,7 @@
               <a:t>Pointer reviewed – </a:t>
             </a:r>
             <a:r>
-              <a:rPr lang="en-US" altLang="ko-KR" dirty="0" smtClean="0">
+              <a:rPr lang="en-US" altLang="ko-KR" dirty="0">
                 <a:solidFill>
                   <a:srgbClr val="C00000"/>
                 </a:solidFill>
@@ -5088,7 +4965,7 @@
         <p:spPr>
           <a:xfrm>
             <a:off x="463474" y="4675600"/>
-            <a:ext cx="8944894" cy="646331"/>
+            <a:ext cx="10529070" cy="646331"/>
           </a:xfrm>
           <a:prstGeom prst="rect">
             <a:avLst/>
@@ -5122,36 +4999,30 @@
                 </a:solidFill>
                 <a:latin typeface="Century Gothic" panose="020B0502020202020204" pitchFamily="34" charset="0"/>
               </a:rPr>
-              <a:t>Complete the memory diagram based on the code </a:t>
+              <a:t>Complete the memory diagram based on the code above, until the end of the pink box.</a:t>
             </a:r>
-            <a:r>
-              <a:rPr lang="en-US" altLang="ko-KR" dirty="0" smtClean="0">
-                <a:solidFill>
-                  <a:srgbClr val="C00000"/>
-                </a:solidFill>
-                <a:latin typeface="Century Gothic" panose="020B0502020202020204" pitchFamily="34" charset="0"/>
-              </a:rPr>
-              <a:t>above, as it is shown.</a:t>
-            </a:r>
-            <a:endParaRPr lang="en-US" altLang="ko-KR" dirty="0">
-              <a:solidFill>
-                <a:srgbClr val="C00000"/>
-              </a:solidFill>
-              <a:latin typeface="Century Gothic" panose="020B0502020202020204" pitchFamily="34" charset="0"/>
-            </a:endParaRPr>
           </a:p>
           <a:p>
             <a:pPr marL="342900" indent="-342900">
               <a:buAutoNum type="arabicPeriod"/>
             </a:pPr>
             <a:r>
-              <a:rPr lang="en-US" altLang="ko-KR" dirty="0" smtClean="0">
+              <a:rPr lang="en-US" altLang="ko-KR" dirty="0">
                 <a:solidFill>
                   <a:srgbClr val="C00000"/>
                 </a:solidFill>
                 <a:latin typeface="Century Gothic" panose="020B0502020202020204" pitchFamily="34" charset="0"/>
               </a:rPr>
-              <a:t>Then, add </a:t>
+              <a:t>Then, add one line to fix a bug shown in </a:t>
+            </a:r>
+            <a:r>
+              <a:rPr lang="en-US" altLang="ko-KR">
+                <a:solidFill>
+                  <a:srgbClr val="C00000"/>
+                </a:solidFill>
+                <a:latin typeface="Century Gothic" panose="020B0502020202020204" pitchFamily="34" charset="0"/>
+              </a:rPr>
+              <a:t>the completed memory </a:t>
             </a:r>
             <a:r>
               <a:rPr lang="en-US" altLang="ko-KR" dirty="0">
@@ -5160,16 +5031,7 @@
                 </a:solidFill>
                 <a:latin typeface="Century Gothic" panose="020B0502020202020204" pitchFamily="34" charset="0"/>
               </a:rPr>
-              <a:t>one line to fix a </a:t>
-            </a:r>
-            <a:r>
-              <a:rPr lang="en-US" altLang="ko-KR" dirty="0" smtClean="0">
-                <a:solidFill>
-                  <a:srgbClr val="C00000"/>
-                </a:solidFill>
-                <a:latin typeface="Century Gothic" panose="020B0502020202020204" pitchFamily="34" charset="0"/>
-              </a:rPr>
-              <a:t>bug shown in the memory diagram.</a:t>
+              <a:t>diagram.</a:t>
             </a:r>
             <a:endParaRPr lang="ko-KR" altLang="en-US" dirty="0">
               <a:solidFill>
@@ -5195,7 +5057,7 @@
         <p:spPr>
           <a:xfrm>
             <a:off x="443180" y="980728"/>
-            <a:ext cx="5128946" cy="1296144"/>
+            <a:ext cx="5128946" cy="2232248"/>
           </a:xfrm>
           <a:prstGeom prst="roundRect">
             <a:avLst/>
@@ -5267,13 +5129,6 @@
   <p:clrMapOvr>
     <a:masterClrMapping/>
   </p:clrMapOvr>
-  <p:timing>
-    <p:tnLst>
-      <p:par>
-        <p:cTn id="1" dur="indefinite" restart="never" nodeType="tmRoot"/>
-      </p:par>
-    </p:tnLst>
-  </p:timing>
 </p:sld>
 </file>
 
@@ -6602,19 +6457,15 @@
               <a:rPr lang="en-US" altLang="ko-KR" dirty="0">
                 <a:latin typeface="Century Gothic" panose="020B0502020202020204" pitchFamily="34" charset="0"/>
               </a:rPr>
-              <a:t>(1) Let each p, q, and r </a:t>
+              <a:t>(1) Let each p, q, and r point to a, b, and c;</a:t>
             </a:r>
-            <a:r>
-              <a:rPr lang="en-US" altLang="ko-KR" dirty="0" smtClean="0">
-                <a:latin typeface="Century Gothic" panose="020B0502020202020204" pitchFamily="34" charset="0"/>
-              </a:rPr>
-              <a:t>point </a:t>
-            </a:r>
+          </a:p>
+          <a:p>
             <a:r>
               <a:rPr lang="en-US" altLang="ko-KR" dirty="0">
                 <a:latin typeface="Century Gothic" panose="020B0502020202020204" pitchFamily="34" charset="0"/>
               </a:rPr>
-              <a:t>to a, b, and c;</a:t>
+              <a:t>(2) Store each 'X', 'Y', and 'Z' in data using p, q, and r.</a:t>
             </a:r>
           </a:p>
           <a:p>
@@ -6622,33 +6473,7 @@
               <a:rPr lang="en-US" altLang="ko-KR" dirty="0">
                 <a:latin typeface="Century Gothic" panose="020B0502020202020204" pitchFamily="34" charset="0"/>
               </a:rPr>
-              <a:t>(2) Store each 'X', 'Y', and 'Z' in </a:t>
-            </a:r>
-            <a:r>
-              <a:rPr lang="en-US" altLang="ko-KR" dirty="0" smtClean="0">
-                <a:latin typeface="Century Gothic" panose="020B0502020202020204" pitchFamily="34" charset="0"/>
-              </a:rPr>
-              <a:t>data using </a:t>
-            </a:r>
-            <a:r>
-              <a:rPr lang="en-US" altLang="ko-KR" dirty="0">
-                <a:latin typeface="Century Gothic" panose="020B0502020202020204" pitchFamily="34" charset="0"/>
-              </a:rPr>
-              <a:t>p, q, and r.</a:t>
-            </a:r>
-          </a:p>
-          <a:p>
-            <a:r>
-              <a:rPr lang="en-US" altLang="ko-KR" dirty="0" smtClean="0">
-                <a:latin typeface="Century Gothic" panose="020B0502020202020204" pitchFamily="34" charset="0"/>
-              </a:rPr>
-              <a:t>(</a:t>
-            </a:r>
-            <a:r>
-              <a:rPr lang="en-US" altLang="ko-KR" dirty="0">
-                <a:latin typeface="Century Gothic" panose="020B0502020202020204" pitchFamily="34" charset="0"/>
-              </a:rPr>
-              <a:t>3) Connect them using p, q and r as shown below:</a:t>
+              <a:t>(3) Connect them using p, q and r as shown below:</a:t>
             </a:r>
           </a:p>
         </p:txBody>
@@ -6659,9 +6484,7 @@
           <p:cNvGraphicFramePr>
             <a:graphicFrameLocks noGrp="1"/>
           </p:cNvGraphicFramePr>
-          <p:nvPr>
-            <p:extLst/>
-          </p:nvPr>
+          <p:nvPr/>
         </p:nvGraphicFramePr>
         <p:xfrm>
           <a:off x="479376" y="1358241"/>
@@ -6688,7 +6511,7 @@
                     <a:p>
                       <a:pPr algn="l"/>
                       <a:r>
-                        <a:rPr lang="en-US" b="1" u="none" strike="noStrike" dirty="0" smtClean="0">
+                        <a:rPr lang="en-US" b="1" u="none" strike="noStrike" dirty="0">
                           <a:solidFill>
                             <a:srgbClr val="C00000"/>
                           </a:solidFill>
@@ -6698,16 +6521,6 @@
                         <a:t>Link</a:t>
                       </a:r>
                       <a:r>
-                        <a:rPr lang="en-US" b="0" u="none" strike="noStrike" baseline="0" dirty="0" smtClean="0">
-                          <a:solidFill>
-                            <a:schemeClr val="tx1"/>
-                          </a:solidFill>
-                          <a:effectLst/>
-                          <a:latin typeface="Consolas" panose="020B0609020204030204" pitchFamily="49" charset="0"/>
-                        </a:rPr>
-                        <a:t> </a:t>
-                      </a:r>
-                      <a:r>
                         <a:rPr lang="en-US" b="0" u="none" strike="noStrike" baseline="0" dirty="0">
                           <a:solidFill>
                             <a:schemeClr val="tx1"/>
@@ -6715,7 +6528,7 @@
                           <a:effectLst/>
                           <a:latin typeface="Consolas" panose="020B0609020204030204" pitchFamily="49" charset="0"/>
                         </a:rPr>
-                        <a:t>a, b and c nodes;</a:t>
+                        <a:t> a, b and c nodes;</a:t>
                       </a:r>
                       <a:endParaRPr lang="en-US" sz="1600" b="0" dirty="0">
                         <a:solidFill>
@@ -6853,17 +6666,6 @@
                         </a:rPr>
                         <a:t>       char  data;</a:t>
                       </a:r>
-                      <a:r>
-                        <a:rPr kumimoji="0" lang="en-US" altLang="ko-KR" sz="1600" kern="1200" dirty="0">
-                          <a:solidFill>
-                            <a:schemeClr val="tx1"/>
-                          </a:solidFill>
-                          <a:latin typeface="Consolas" panose="020B0609020204030204" pitchFamily="49" charset="0"/>
-                          <a:ea typeface="+mn-ea"/>
-                          <a:cs typeface="+mn-cs"/>
-                        </a:rPr>
-                        <a:t/>
-                      </a:r>
                       <a:br>
                         <a:rPr kumimoji="0" lang="en-US" altLang="ko-KR" sz="1600" kern="1200" dirty="0">
                           <a:solidFill>
@@ -6908,17 +6710,6 @@
                           <a:cs typeface="+mn-cs"/>
                         </a:rPr>
                         <a:t> *link;        </a:t>
-                      </a:r>
-                      <a:r>
-                        <a:rPr kumimoji="0" lang="en-US" altLang="ko-KR" sz="1600" kern="1200" dirty="0">
-                          <a:solidFill>
-                            <a:schemeClr val="tx1"/>
-                          </a:solidFill>
-                          <a:latin typeface="Consolas" panose="020B0609020204030204" pitchFamily="49" charset="0"/>
-                          <a:ea typeface="+mn-ea"/>
-                          <a:cs typeface="+mn-cs"/>
-                        </a:rPr>
-                        <a:t/>
                       </a:r>
                       <a:br>
                         <a:rPr kumimoji="0" lang="en-US" altLang="ko-KR" sz="1600" kern="1200" dirty="0">
@@ -7234,7 +7025,7 @@
           </a:lstStyle>
           <a:p>
             <a:r>
-              <a:rPr lang="en-US" altLang="ko-KR" dirty="0" smtClean="0">
+              <a:rPr lang="en-US" altLang="ko-KR" dirty="0">
                 <a:latin typeface="Arial Rounded MT Bold" panose="020F0704030504030204" pitchFamily="34" charset="0"/>
               </a:rPr>
               <a:t>Pointers Linked – </a:t>
@@ -9769,21 +9560,6 @@
   <p:clrMapOvr>
     <a:masterClrMapping/>
   </p:clrMapOvr>
-  <mc:AlternateContent xmlns:mc="http://schemas.openxmlformats.org/markup-compatibility/2006" xmlns:p14="http://schemas.microsoft.com/office/powerpoint/2010/main">
-    <mc:Choice Requires="p14">
-      <p:transition spd="slow" p14:dur="2000"/>
-    </mc:Choice>
-    <mc:Fallback xmlns="">
-      <p:transition spd="slow"/>
-    </mc:Fallback>
-  </mc:AlternateContent>
-  <p:timing>
-    <p:tnLst>
-      <p:par>
-        <p:cTn id="1" dur="indefinite" restart="never" nodeType="tmRoot"/>
-      </p:par>
-    </p:tnLst>
-  </p:timing>
 </p:sld>
 </file>
 
